--- a/result/결과_final.pptx
+++ b/result/결과_final.pptx
@@ -12,6 +12,9 @@
     <p:sldId id="260" r:id="rId6"/>
     <p:sldId id="259" r:id="rId7"/>
     <p:sldId id="262" r:id="rId8"/>
+    <p:sldId id="263" r:id="rId9"/>
+    <p:sldId id="264" r:id="rId10"/>
+    <p:sldId id="265" r:id="rId11"/>
   </p:sldIdLst>
   <p:sldSz cx="12192000" cy="6858000"/>
   <p:notesSz cx="6858000" cy="9144000"/>
@@ -249,7 +252,7 @@
           <a:p>
             <a:fld id="{64009347-2318-4830-820F-F799501B0DF2}" type="datetimeFigureOut">
               <a:rPr lang="ko-KR" altLang="en-US" smtClean="0"/>
-              <a:t>2019-01-28</a:t>
+              <a:t>2019-01-29</a:t>
             </a:fld>
             <a:endParaRPr lang="ko-KR" altLang="en-US"/>
           </a:p>
@@ -419,7 +422,7 @@
           <a:p>
             <a:fld id="{64009347-2318-4830-820F-F799501B0DF2}" type="datetimeFigureOut">
               <a:rPr lang="ko-KR" altLang="en-US" smtClean="0"/>
-              <a:t>2019-01-28</a:t>
+              <a:t>2019-01-29</a:t>
             </a:fld>
             <a:endParaRPr lang="ko-KR" altLang="en-US"/>
           </a:p>
@@ -599,7 +602,7 @@
           <a:p>
             <a:fld id="{64009347-2318-4830-820F-F799501B0DF2}" type="datetimeFigureOut">
               <a:rPr lang="ko-KR" altLang="en-US" smtClean="0"/>
-              <a:t>2019-01-28</a:t>
+              <a:t>2019-01-29</a:t>
             </a:fld>
             <a:endParaRPr lang="ko-KR" altLang="en-US"/>
           </a:p>
@@ -769,7 +772,7 @@
           <a:p>
             <a:fld id="{64009347-2318-4830-820F-F799501B0DF2}" type="datetimeFigureOut">
               <a:rPr lang="ko-KR" altLang="en-US" smtClean="0"/>
-              <a:t>2019-01-28</a:t>
+              <a:t>2019-01-29</a:t>
             </a:fld>
             <a:endParaRPr lang="ko-KR" altLang="en-US"/>
           </a:p>
@@ -1015,7 +1018,7 @@
           <a:p>
             <a:fld id="{64009347-2318-4830-820F-F799501B0DF2}" type="datetimeFigureOut">
               <a:rPr lang="ko-KR" altLang="en-US" smtClean="0"/>
-              <a:t>2019-01-28</a:t>
+              <a:t>2019-01-29</a:t>
             </a:fld>
             <a:endParaRPr lang="ko-KR" altLang="en-US"/>
           </a:p>
@@ -1247,7 +1250,7 @@
           <a:p>
             <a:fld id="{64009347-2318-4830-820F-F799501B0DF2}" type="datetimeFigureOut">
               <a:rPr lang="ko-KR" altLang="en-US" smtClean="0"/>
-              <a:t>2019-01-28</a:t>
+              <a:t>2019-01-29</a:t>
             </a:fld>
             <a:endParaRPr lang="ko-KR" altLang="en-US"/>
           </a:p>
@@ -1614,7 +1617,7 @@
           <a:p>
             <a:fld id="{64009347-2318-4830-820F-F799501B0DF2}" type="datetimeFigureOut">
               <a:rPr lang="ko-KR" altLang="en-US" smtClean="0"/>
-              <a:t>2019-01-28</a:t>
+              <a:t>2019-01-29</a:t>
             </a:fld>
             <a:endParaRPr lang="ko-KR" altLang="en-US"/>
           </a:p>
@@ -1732,7 +1735,7 @@
           <a:p>
             <a:fld id="{64009347-2318-4830-820F-F799501B0DF2}" type="datetimeFigureOut">
               <a:rPr lang="ko-KR" altLang="en-US" smtClean="0"/>
-              <a:t>2019-01-28</a:t>
+              <a:t>2019-01-29</a:t>
             </a:fld>
             <a:endParaRPr lang="ko-KR" altLang="en-US"/>
           </a:p>
@@ -1827,7 +1830,7 @@
           <a:p>
             <a:fld id="{64009347-2318-4830-820F-F799501B0DF2}" type="datetimeFigureOut">
               <a:rPr lang="ko-KR" altLang="en-US" smtClean="0"/>
-              <a:t>2019-01-28</a:t>
+              <a:t>2019-01-29</a:t>
             </a:fld>
             <a:endParaRPr lang="ko-KR" altLang="en-US"/>
           </a:p>
@@ -2104,7 +2107,7 @@
           <a:p>
             <a:fld id="{64009347-2318-4830-820F-F799501B0DF2}" type="datetimeFigureOut">
               <a:rPr lang="ko-KR" altLang="en-US" smtClean="0"/>
-              <a:t>2019-01-28</a:t>
+              <a:t>2019-01-29</a:t>
             </a:fld>
             <a:endParaRPr lang="ko-KR" altLang="en-US"/>
           </a:p>
@@ -2357,7 +2360,7 @@
           <a:p>
             <a:fld id="{64009347-2318-4830-820F-F799501B0DF2}" type="datetimeFigureOut">
               <a:rPr lang="ko-KR" altLang="en-US" smtClean="0"/>
-              <a:t>2019-01-28</a:t>
+              <a:t>2019-01-29</a:t>
             </a:fld>
             <a:endParaRPr lang="ko-KR" altLang="en-US"/>
           </a:p>
@@ -2570,7 +2573,7 @@
           <a:p>
             <a:fld id="{64009347-2318-4830-820F-F799501B0DF2}" type="datetimeFigureOut">
               <a:rPr lang="ko-KR" altLang="en-US" smtClean="0"/>
-              <a:t>2019-01-28</a:t>
+              <a:t>2019-01-29</a:t>
             </a:fld>
             <a:endParaRPr lang="ko-KR" altLang="en-US"/>
           </a:p>
@@ -3311,6 +3314,318 @@
 </p:sld>
 </file>
 
+<file path=ppt/slides/slide10.xml><?xml version="1.0" encoding="utf-8"?>
+<p:sld xmlns:a="http://schemas.openxmlformats.org/drawingml/2006/main" xmlns:r="http://schemas.openxmlformats.org/officeDocument/2006/relationships" xmlns:p="http://schemas.openxmlformats.org/presentationml/2006/main">
+  <p:cSld>
+    <p:spTree>
+      <p:nvGrpSpPr>
+        <p:cNvPr id="1" name=""/>
+        <p:cNvGrpSpPr/>
+        <p:nvPr/>
+      </p:nvGrpSpPr>
+      <p:grpSpPr>
+        <a:xfrm>
+          <a:off x="0" y="0"/>
+          <a:ext cx="0" cy="0"/>
+          <a:chOff x="0" y="0"/>
+          <a:chExt cx="0" cy="0"/>
+        </a:xfrm>
+      </p:grpSpPr>
+      <p:sp>
+        <p:nvSpPr>
+          <p:cNvPr id="2" name="제목 1"/>
+          <p:cNvSpPr>
+            <a:spLocks noGrp="1"/>
+          </p:cNvSpPr>
+          <p:nvPr>
+            <p:ph type="title"/>
+          </p:nvPr>
+        </p:nvSpPr>
+        <p:spPr/>
+        <p:txBody>
+          <a:bodyPr/>
+          <a:lstStyle/>
+          <a:p>
+            <a:r>
+              <a:rPr lang="ko-KR" altLang="en-US" dirty="0" smtClean="0"/>
+              <a:t>관절 토크 추정</a:t>
+            </a:r>
+            <a:endParaRPr lang="ko-KR" altLang="en-US" dirty="0"/>
+          </a:p>
+        </p:txBody>
+      </p:sp>
+      <p:sp>
+        <p:nvSpPr>
+          <p:cNvPr id="5" name="TextBox 4"/>
+          <p:cNvSpPr txBox="1"/>
+          <p:nvPr/>
+        </p:nvSpPr>
+        <p:spPr>
+          <a:xfrm>
+            <a:off x="9401453" y="72163"/>
+            <a:ext cx="2784260" cy="1169551"/>
+          </a:xfrm>
+          <a:prstGeom prst="rect">
+            <a:avLst/>
+          </a:prstGeom>
+          <a:noFill/>
+        </p:spPr>
+        <p:txBody>
+          <a:bodyPr wrap="square" rtlCol="0">
+            <a:spAutoFit/>
+          </a:bodyPr>
+          <a:lstStyle/>
+          <a:p>
+            <a:r>
+              <a:rPr lang="en-US" altLang="ko-KR" sz="1400" dirty="0" smtClean="0"/>
+              <a:t>1</a:t>
+            </a:r>
+            <a:r>
+              <a:rPr lang="ko-KR" altLang="en-US" sz="1400" dirty="0" smtClean="0"/>
+              <a:t>개 관절 </a:t>
+            </a:r>
+            <a:r>
+              <a:rPr lang="en-US" altLang="ko-KR" sz="1400" dirty="0" smtClean="0"/>
+              <a:t>input 1</a:t>
+            </a:r>
+            <a:r>
+              <a:rPr lang="ko-KR" altLang="en-US" sz="1400" dirty="0" smtClean="0"/>
+              <a:t>개 관절 </a:t>
+            </a:r>
+            <a:r>
+              <a:rPr lang="en-US" altLang="ko-KR" sz="1400" dirty="0" smtClean="0"/>
+              <a:t>output</a:t>
+            </a:r>
+          </a:p>
+          <a:p>
+            <a:r>
+              <a:rPr lang="en-US" altLang="ko-KR" sz="1400" dirty="0" smtClean="0"/>
+              <a:t>Hidden layer 3</a:t>
+            </a:r>
+            <a:r>
+              <a:rPr lang="ko-KR" altLang="en-US" sz="1400" dirty="0" smtClean="0"/>
+              <a:t>개</a:t>
+            </a:r>
+            <a:endParaRPr lang="en-US" altLang="ko-KR" sz="1400" dirty="0"/>
+          </a:p>
+          <a:p>
+            <a:r>
+              <a:rPr lang="en-US" altLang="ko-KR" sz="1400" dirty="0" smtClean="0"/>
+              <a:t>Learning rate 0.005</a:t>
+            </a:r>
+          </a:p>
+          <a:p>
+            <a:r>
+              <a:rPr lang="en-US" altLang="ko-KR" sz="1400" dirty="0" smtClean="0"/>
+              <a:t>Epoch 500</a:t>
+            </a:r>
+          </a:p>
+          <a:p>
+            <a:r>
+              <a:rPr lang="ko-KR" altLang="en-US" sz="1400" dirty="0" smtClean="0"/>
+              <a:t>각</a:t>
+            </a:r>
+            <a:r>
+              <a:rPr lang="en-US" altLang="ko-KR" sz="1400" dirty="0" smtClean="0"/>
+              <a:t> </a:t>
+            </a:r>
+            <a:r>
+              <a:rPr lang="ko-KR" altLang="en-US" sz="1400" dirty="0" smtClean="0"/>
+              <a:t>축 당 </a:t>
+            </a:r>
+            <a:r>
+              <a:rPr lang="en-US" altLang="ko-KR" sz="1400" dirty="0" smtClean="0"/>
+              <a:t>330</a:t>
+            </a:r>
+            <a:r>
+              <a:rPr lang="ko-KR" altLang="en-US" sz="1400" dirty="0" smtClean="0"/>
+              <a:t>초 가량</a:t>
+            </a:r>
+            <a:endParaRPr lang="ko-KR" altLang="en-US" sz="1400" dirty="0"/>
+          </a:p>
+        </p:txBody>
+      </p:sp>
+      <p:pic>
+        <p:nvPicPr>
+          <p:cNvPr id="7" name="그림 6"/>
+          <p:cNvPicPr>
+            <a:picLocks noChangeAspect="1"/>
+          </p:cNvPicPr>
+          <p:nvPr/>
+        </p:nvPicPr>
+        <p:blipFill>
+          <a:blip r:embed="rId2"/>
+          <a:stretch>
+            <a:fillRect/>
+          </a:stretch>
+        </p:blipFill>
+        <p:spPr>
+          <a:xfrm>
+            <a:off x="3560168" y="1622396"/>
+            <a:ext cx="2550572" cy="1895268"/>
+          </a:xfrm>
+          <a:prstGeom prst="rect">
+            <a:avLst/>
+          </a:prstGeom>
+        </p:spPr>
+      </p:pic>
+      <p:pic>
+        <p:nvPicPr>
+          <p:cNvPr id="10" name="그림 9"/>
+          <p:cNvPicPr>
+            <a:picLocks noChangeAspect="1"/>
+          </p:cNvPicPr>
+          <p:nvPr/>
+        </p:nvPicPr>
+        <p:blipFill>
+          <a:blip r:embed="rId3"/>
+          <a:stretch>
+            <a:fillRect/>
+          </a:stretch>
+        </p:blipFill>
+        <p:spPr>
+          <a:xfrm>
+            <a:off x="6110740" y="1622396"/>
+            <a:ext cx="2553865" cy="1897716"/>
+          </a:xfrm>
+          <a:prstGeom prst="rect">
+            <a:avLst/>
+          </a:prstGeom>
+        </p:spPr>
+      </p:pic>
+      <p:pic>
+        <p:nvPicPr>
+          <p:cNvPr id="11" name="그림 10"/>
+          <p:cNvPicPr>
+            <a:picLocks noChangeAspect="1"/>
+          </p:cNvPicPr>
+          <p:nvPr/>
+        </p:nvPicPr>
+        <p:blipFill>
+          <a:blip r:embed="rId4"/>
+          <a:stretch>
+            <a:fillRect/>
+          </a:stretch>
+        </p:blipFill>
+        <p:spPr>
+          <a:xfrm>
+            <a:off x="8661312" y="1622396"/>
+            <a:ext cx="2553865" cy="1897716"/>
+          </a:xfrm>
+          <a:prstGeom prst="rect">
+            <a:avLst/>
+          </a:prstGeom>
+        </p:spPr>
+      </p:pic>
+      <p:pic>
+        <p:nvPicPr>
+          <p:cNvPr id="13" name="그림 12"/>
+          <p:cNvPicPr>
+            <a:picLocks noChangeAspect="1"/>
+          </p:cNvPicPr>
+          <p:nvPr/>
+        </p:nvPicPr>
+        <p:blipFill>
+          <a:blip r:embed="rId5"/>
+          <a:stretch>
+            <a:fillRect/>
+          </a:stretch>
+        </p:blipFill>
+        <p:spPr>
+          <a:xfrm>
+            <a:off x="1006303" y="3517664"/>
+            <a:ext cx="2553865" cy="1915399"/>
+          </a:xfrm>
+          <a:prstGeom prst="rect">
+            <a:avLst/>
+          </a:prstGeom>
+        </p:spPr>
+      </p:pic>
+      <p:pic>
+        <p:nvPicPr>
+          <p:cNvPr id="14" name="그림 13"/>
+          <p:cNvPicPr>
+            <a:picLocks noChangeAspect="1"/>
+          </p:cNvPicPr>
+          <p:nvPr/>
+        </p:nvPicPr>
+        <p:blipFill>
+          <a:blip r:embed="rId6"/>
+          <a:stretch>
+            <a:fillRect/>
+          </a:stretch>
+        </p:blipFill>
+        <p:spPr>
+          <a:xfrm>
+            <a:off x="3560168" y="3517664"/>
+            <a:ext cx="2550572" cy="1912929"/>
+          </a:xfrm>
+          <a:prstGeom prst="rect">
+            <a:avLst/>
+          </a:prstGeom>
+        </p:spPr>
+      </p:pic>
+      <p:pic>
+        <p:nvPicPr>
+          <p:cNvPr id="15" name="그림 14"/>
+          <p:cNvPicPr>
+            <a:picLocks noChangeAspect="1"/>
+          </p:cNvPicPr>
+          <p:nvPr/>
+        </p:nvPicPr>
+        <p:blipFill>
+          <a:blip r:embed="rId7"/>
+          <a:stretch>
+            <a:fillRect/>
+          </a:stretch>
+        </p:blipFill>
+        <p:spPr>
+          <a:xfrm>
+            <a:off x="6110740" y="3517664"/>
+            <a:ext cx="2550572" cy="1912929"/>
+          </a:xfrm>
+          <a:prstGeom prst="rect">
+            <a:avLst/>
+          </a:prstGeom>
+        </p:spPr>
+      </p:pic>
+      <p:pic>
+        <p:nvPicPr>
+          <p:cNvPr id="16" name="그림 15"/>
+          <p:cNvPicPr>
+            <a:picLocks noChangeAspect="1"/>
+          </p:cNvPicPr>
+          <p:nvPr/>
+        </p:nvPicPr>
+        <p:blipFill>
+          <a:blip r:embed="rId8"/>
+          <a:stretch>
+            <a:fillRect/>
+          </a:stretch>
+        </p:blipFill>
+        <p:spPr>
+          <a:xfrm>
+            <a:off x="1006303" y="1622396"/>
+            <a:ext cx="2527024" cy="1895268"/>
+          </a:xfrm>
+          <a:prstGeom prst="rect">
+            <a:avLst/>
+          </a:prstGeom>
+        </p:spPr>
+      </p:pic>
+    </p:spTree>
+    <p:extLst>
+      <p:ext uri="{BB962C8B-B14F-4D97-AF65-F5344CB8AC3E}">
+        <p14:creationId xmlns:p14="http://schemas.microsoft.com/office/powerpoint/2010/main" val="3835002807"/>
+      </p:ext>
+    </p:extLst>
+  </p:cSld>
+  <p:clrMapOvr>
+    <a:masterClrMapping/>
+  </p:clrMapOvr>
+</p:sld>
+</file>
+
 <file path=ppt/slides/slide2.xml><?xml version="1.0" encoding="utf-8"?>
 <p:sld xmlns:a="http://schemas.openxmlformats.org/drawingml/2006/main" xmlns:r="http://schemas.openxmlformats.org/officeDocument/2006/relationships" xmlns:p="http://schemas.openxmlformats.org/presentationml/2006/main">
   <p:cSld>
@@ -4456,15 +4771,7 @@
             </a:r>
             <a:r>
               <a:rPr lang="en-US" altLang="ko-KR" dirty="0" smtClean="0"/>
-              <a:t>: </a:t>
-            </a:r>
-            <a:r>
-              <a:rPr lang="en-US" altLang="ko-KR" dirty="0" smtClean="0"/>
-              <a:t>654 </a:t>
-            </a:r>
-            <a:r>
-              <a:rPr lang="en-US" altLang="ko-KR" dirty="0" smtClean="0"/>
-              <a:t>s</a:t>
+              <a:t>: 654 s</a:t>
             </a:r>
             <a:endParaRPr lang="ko-KR" altLang="en-US" dirty="0"/>
           </a:p>
@@ -4762,6 +5069,254 @@
     <p:extLst>
       <p:ext uri="{BB962C8B-B14F-4D97-AF65-F5344CB8AC3E}">
         <p14:creationId xmlns:p14="http://schemas.microsoft.com/office/powerpoint/2010/main" val="1403043305"/>
+      </p:ext>
+    </p:extLst>
+  </p:cSld>
+  <p:clrMapOvr>
+    <a:masterClrMapping/>
+  </p:clrMapOvr>
+</p:sld>
+</file>
+
+<file path=ppt/slides/slide8.xml><?xml version="1.0" encoding="utf-8"?>
+<p:sld xmlns:a="http://schemas.openxmlformats.org/drawingml/2006/main" xmlns:r="http://schemas.openxmlformats.org/officeDocument/2006/relationships" xmlns:p="http://schemas.openxmlformats.org/presentationml/2006/main">
+  <p:cSld>
+    <p:spTree>
+      <p:nvGrpSpPr>
+        <p:cNvPr id="1" name=""/>
+        <p:cNvGrpSpPr/>
+        <p:nvPr/>
+      </p:nvGrpSpPr>
+      <p:grpSpPr>
+        <a:xfrm>
+          <a:off x="0" y="0"/>
+          <a:ext cx="0" cy="0"/>
+          <a:chOff x="0" y="0"/>
+          <a:chExt cx="0" cy="0"/>
+        </a:xfrm>
+      </p:grpSpPr>
+      <p:sp>
+        <p:nvSpPr>
+          <p:cNvPr id="2" name="제목 1"/>
+          <p:cNvSpPr>
+            <a:spLocks noGrp="1"/>
+          </p:cNvSpPr>
+          <p:nvPr>
+            <p:ph type="title"/>
+          </p:nvPr>
+        </p:nvSpPr>
+        <p:spPr/>
+        <p:txBody>
+          <a:bodyPr/>
+          <a:lstStyle/>
+          <a:p>
+            <a:r>
+              <a:rPr lang="ko-KR" altLang="en-US" dirty="0" smtClean="0"/>
+              <a:t>관절 토크 추정</a:t>
+            </a:r>
+            <a:endParaRPr lang="ko-KR" altLang="en-US" dirty="0"/>
+          </a:p>
+        </p:txBody>
+      </p:sp>
+      <p:pic>
+        <p:nvPicPr>
+          <p:cNvPr id="4" name="그림 3"/>
+          <p:cNvPicPr>
+            <a:picLocks noChangeAspect="1"/>
+          </p:cNvPicPr>
+          <p:nvPr/>
+        </p:nvPicPr>
+        <p:blipFill>
+          <a:blip r:embed="rId2"/>
+          <a:stretch>
+            <a:fillRect/>
+          </a:stretch>
+        </p:blipFill>
+        <p:spPr>
+          <a:xfrm>
+            <a:off x="1405697" y="1587201"/>
+            <a:ext cx="8998932" cy="4645982"/>
+          </a:xfrm>
+          <a:prstGeom prst="rect">
+            <a:avLst/>
+          </a:prstGeom>
+        </p:spPr>
+      </p:pic>
+      <p:sp>
+        <p:nvSpPr>
+          <p:cNvPr id="5" name="TextBox 4"/>
+          <p:cNvSpPr txBox="1"/>
+          <p:nvPr/>
+        </p:nvSpPr>
+        <p:spPr>
+          <a:xfrm>
+            <a:off x="10404629" y="72163"/>
+            <a:ext cx="1781083" cy="738664"/>
+          </a:xfrm>
+          <a:prstGeom prst="rect">
+            <a:avLst/>
+          </a:prstGeom>
+          <a:noFill/>
+        </p:spPr>
+        <p:txBody>
+          <a:bodyPr wrap="square" rtlCol="0">
+            <a:spAutoFit/>
+          </a:bodyPr>
+          <a:lstStyle/>
+          <a:p>
+            <a:r>
+              <a:rPr lang="en-US" altLang="ko-KR" sz="1400" dirty="0" smtClean="0"/>
+              <a:t>Hidden layer 3</a:t>
+            </a:r>
+            <a:r>
+              <a:rPr lang="ko-KR" altLang="en-US" sz="1400" dirty="0" smtClean="0"/>
+              <a:t>개</a:t>
+            </a:r>
+            <a:endParaRPr lang="en-US" altLang="ko-KR" sz="1400" dirty="0"/>
+          </a:p>
+          <a:p>
+            <a:r>
+              <a:rPr lang="en-US" altLang="ko-KR" sz="1400" dirty="0" smtClean="0"/>
+              <a:t>Learning rate 0.005</a:t>
+            </a:r>
+          </a:p>
+          <a:p>
+            <a:r>
+              <a:rPr lang="en-US" altLang="ko-KR" sz="1400" dirty="0" smtClean="0"/>
+              <a:t>Epoch 1000</a:t>
+            </a:r>
+            <a:endParaRPr lang="ko-KR" altLang="en-US" sz="1400" dirty="0"/>
+          </a:p>
+        </p:txBody>
+      </p:sp>
+    </p:spTree>
+    <p:extLst>
+      <p:ext uri="{BB962C8B-B14F-4D97-AF65-F5344CB8AC3E}">
+        <p14:creationId xmlns:p14="http://schemas.microsoft.com/office/powerpoint/2010/main" val="3548615567"/>
+      </p:ext>
+    </p:extLst>
+  </p:cSld>
+  <p:clrMapOvr>
+    <a:masterClrMapping/>
+  </p:clrMapOvr>
+</p:sld>
+</file>
+
+<file path=ppt/slides/slide9.xml><?xml version="1.0" encoding="utf-8"?>
+<p:sld xmlns:a="http://schemas.openxmlformats.org/drawingml/2006/main" xmlns:r="http://schemas.openxmlformats.org/officeDocument/2006/relationships" xmlns:p="http://schemas.openxmlformats.org/presentationml/2006/main">
+  <p:cSld>
+    <p:spTree>
+      <p:nvGrpSpPr>
+        <p:cNvPr id="1" name=""/>
+        <p:cNvGrpSpPr/>
+        <p:nvPr/>
+      </p:nvGrpSpPr>
+      <p:grpSpPr>
+        <a:xfrm>
+          <a:off x="0" y="0"/>
+          <a:ext cx="0" cy="0"/>
+          <a:chOff x="0" y="0"/>
+          <a:chExt cx="0" cy="0"/>
+        </a:xfrm>
+      </p:grpSpPr>
+      <p:sp>
+        <p:nvSpPr>
+          <p:cNvPr id="2" name="제목 1"/>
+          <p:cNvSpPr>
+            <a:spLocks noGrp="1"/>
+          </p:cNvSpPr>
+          <p:nvPr>
+            <p:ph type="title"/>
+          </p:nvPr>
+        </p:nvSpPr>
+        <p:spPr/>
+        <p:txBody>
+          <a:bodyPr/>
+          <a:lstStyle/>
+          <a:p>
+            <a:r>
+              <a:rPr lang="ko-KR" altLang="en-US" dirty="0" smtClean="0"/>
+              <a:t>관절 토크 추정</a:t>
+            </a:r>
+            <a:endParaRPr lang="ko-KR" altLang="en-US" dirty="0"/>
+          </a:p>
+        </p:txBody>
+      </p:sp>
+      <p:sp>
+        <p:nvSpPr>
+          <p:cNvPr id="5" name="TextBox 4"/>
+          <p:cNvSpPr txBox="1"/>
+          <p:nvPr/>
+        </p:nvSpPr>
+        <p:spPr>
+          <a:xfrm>
+            <a:off x="10404629" y="72163"/>
+            <a:ext cx="1781083" cy="738664"/>
+          </a:xfrm>
+          <a:prstGeom prst="rect">
+            <a:avLst/>
+          </a:prstGeom>
+          <a:noFill/>
+        </p:spPr>
+        <p:txBody>
+          <a:bodyPr wrap="square" rtlCol="0">
+            <a:spAutoFit/>
+          </a:bodyPr>
+          <a:lstStyle/>
+          <a:p>
+            <a:r>
+              <a:rPr lang="en-US" altLang="ko-KR" sz="1400" dirty="0" smtClean="0"/>
+              <a:t>Hidden layer 4</a:t>
+            </a:r>
+            <a:r>
+              <a:rPr lang="ko-KR" altLang="en-US" sz="1400" dirty="0" smtClean="0"/>
+              <a:t>개</a:t>
+            </a:r>
+            <a:endParaRPr lang="en-US" altLang="ko-KR" sz="1400" dirty="0"/>
+          </a:p>
+          <a:p>
+            <a:r>
+              <a:rPr lang="en-US" altLang="ko-KR" sz="1400" dirty="0" smtClean="0"/>
+              <a:t>Learning rate 0.005</a:t>
+            </a:r>
+          </a:p>
+          <a:p>
+            <a:r>
+              <a:rPr lang="en-US" altLang="ko-KR" sz="1400" dirty="0" smtClean="0"/>
+              <a:t>Epoch 1000</a:t>
+            </a:r>
+            <a:endParaRPr lang="ko-KR" altLang="en-US" sz="1400" dirty="0"/>
+          </a:p>
+        </p:txBody>
+      </p:sp>
+      <p:pic>
+        <p:nvPicPr>
+          <p:cNvPr id="3" name="그림 2"/>
+          <p:cNvPicPr>
+            <a:picLocks noChangeAspect="1"/>
+          </p:cNvPicPr>
+          <p:nvPr/>
+        </p:nvPicPr>
+        <p:blipFill>
+          <a:blip r:embed="rId2"/>
+          <a:stretch>
+            <a:fillRect/>
+          </a:stretch>
+        </p:blipFill>
+        <p:spPr>
+          <a:xfrm>
+            <a:off x="1012251" y="1462912"/>
+            <a:ext cx="9392378" cy="4849111"/>
+          </a:xfrm>
+          <a:prstGeom prst="rect">
+            <a:avLst/>
+          </a:prstGeom>
+        </p:spPr>
+      </p:pic>
+    </p:spTree>
+    <p:extLst>
+      <p:ext uri="{BB962C8B-B14F-4D97-AF65-F5344CB8AC3E}">
+        <p14:creationId xmlns:p14="http://schemas.microsoft.com/office/powerpoint/2010/main" val="2239202178"/>
       </p:ext>
     </p:extLst>
   </p:cSld>
